--- a/PPT/Python/class 5.pptx
+++ b/PPT/Python/class 5.pptx
@@ -8,14 +8,13 @@
     <p:sldId id="265" r:id="rId2"/>
     <p:sldId id="263" r:id="rId3"/>
     <p:sldId id="266" r:id="rId4"/>
-    <p:sldId id="276" r:id="rId5"/>
-    <p:sldId id="273" r:id="rId6"/>
-    <p:sldId id="277" r:id="rId7"/>
-    <p:sldId id="279" r:id="rId8"/>
-    <p:sldId id="278" r:id="rId9"/>
-    <p:sldId id="280" r:id="rId10"/>
-    <p:sldId id="272" r:id="rId11"/>
-    <p:sldId id="268" r:id="rId12"/>
+    <p:sldId id="273" r:id="rId5"/>
+    <p:sldId id="277" r:id="rId6"/>
+    <p:sldId id="279" r:id="rId7"/>
+    <p:sldId id="278" r:id="rId8"/>
+    <p:sldId id="280" r:id="rId9"/>
+    <p:sldId id="272" r:id="rId10"/>
+    <p:sldId id="268" r:id="rId11"/>
   </p:sldIdLst>
   <p:sldSz cx="9144000" cy="6858000" type="screen4x3"/>
   <p:notesSz cx="6858000" cy="9144000"/>
@@ -464,7 +463,7 @@
           <a:p>
             <a:fld id="{F2660061-179A-47E0-86E3-D8374BC4401E}" type="datetimeFigureOut">
               <a:rPr lang="en-US" smtClean="0"/>
-              <a:t>8/3/2021</a:t>
+              <a:t>10/19/2021</a:t>
             </a:fld>
             <a:endParaRPr lang="en-US"/>
           </a:p>
@@ -788,7 +787,7 @@
           <a:p>
             <a:fld id="{F2660061-179A-47E0-86E3-D8374BC4401E}" type="datetimeFigureOut">
               <a:rPr lang="en-US" smtClean="0"/>
-              <a:t>8/3/2021</a:t>
+              <a:t>10/19/2021</a:t>
             </a:fld>
             <a:endParaRPr lang="en-US"/>
           </a:p>
@@ -1036,7 +1035,7 @@
           <a:p>
             <a:fld id="{F2660061-179A-47E0-86E3-D8374BC4401E}" type="datetimeFigureOut">
               <a:rPr lang="en-US" smtClean="0"/>
-              <a:t>8/3/2021</a:t>
+              <a:t>10/19/2021</a:t>
             </a:fld>
             <a:endParaRPr lang="en-US"/>
           </a:p>
@@ -1375,7 +1374,7 @@
           <a:p>
             <a:fld id="{F2660061-179A-47E0-86E3-D8374BC4401E}" type="datetimeFigureOut">
               <a:rPr lang="en-US" smtClean="0"/>
-              <a:t>8/3/2021</a:t>
+              <a:t>10/19/2021</a:t>
             </a:fld>
             <a:endParaRPr lang="en-US"/>
           </a:p>
@@ -1722,7 +1721,7 @@
           <a:p>
             <a:fld id="{F2660061-179A-47E0-86E3-D8374BC4401E}" type="datetimeFigureOut">
               <a:rPr lang="en-US" smtClean="0"/>
-              <a:t>8/3/2021</a:t>
+              <a:t>10/19/2021</a:t>
             </a:fld>
             <a:endParaRPr lang="en-US"/>
           </a:p>
@@ -2096,7 +2095,7 @@
           <a:p>
             <a:fld id="{F2660061-179A-47E0-86E3-D8374BC4401E}" type="datetimeFigureOut">
               <a:rPr lang="en-US" smtClean="0"/>
-              <a:t>8/3/2021</a:t>
+              <a:t>10/19/2021</a:t>
             </a:fld>
             <a:endParaRPr lang="en-US"/>
           </a:p>
@@ -2566,7 +2565,7 @@
           <a:p>
             <a:fld id="{F2660061-179A-47E0-86E3-D8374BC4401E}" type="datetimeFigureOut">
               <a:rPr lang="en-US" smtClean="0"/>
-              <a:t>8/3/2021</a:t>
+              <a:t>10/19/2021</a:t>
             </a:fld>
             <a:endParaRPr lang="en-US"/>
           </a:p>
@@ -2776,7 +2775,7 @@
           <a:p>
             <a:fld id="{F2660061-179A-47E0-86E3-D8374BC4401E}" type="datetimeFigureOut">
               <a:rPr lang="en-US" smtClean="0"/>
-              <a:t>8/3/2021</a:t>
+              <a:t>10/19/2021</a:t>
             </a:fld>
             <a:endParaRPr lang="en-US"/>
           </a:p>
@@ -2987,7 +2986,7 @@
           <a:p>
             <a:fld id="{F2660061-179A-47E0-86E3-D8374BC4401E}" type="datetimeFigureOut">
               <a:rPr lang="en-US" smtClean="0"/>
-              <a:t>8/3/2021</a:t>
+              <a:t>10/19/2021</a:t>
             </a:fld>
             <a:endParaRPr lang="en-US"/>
           </a:p>
@@ -3219,7 +3218,7 @@
           <a:p>
             <a:fld id="{F2660061-179A-47E0-86E3-D8374BC4401E}" type="datetimeFigureOut">
               <a:rPr lang="en-US" smtClean="0"/>
-              <a:t>8/3/2021</a:t>
+              <a:t>10/19/2021</a:t>
             </a:fld>
             <a:endParaRPr lang="en-US"/>
           </a:p>
@@ -3467,7 +3466,7 @@
           <a:p>
             <a:fld id="{F2660061-179A-47E0-86E3-D8374BC4401E}" type="datetimeFigureOut">
               <a:rPr lang="en-US" smtClean="0"/>
-              <a:t>8/3/2021</a:t>
+              <a:t>10/19/2021</a:t>
             </a:fld>
             <a:endParaRPr lang="en-US"/>
           </a:p>
@@ -3770,7 +3769,7 @@
           <a:p>
             <a:fld id="{F2660061-179A-47E0-86E3-D8374BC4401E}" type="datetimeFigureOut">
               <a:rPr lang="en-US" smtClean="0"/>
-              <a:t>8/3/2021</a:t>
+              <a:t>10/19/2021</a:t>
             </a:fld>
             <a:endParaRPr lang="en-US"/>
           </a:p>
@@ -4152,7 +4151,7 @@
           <a:p>
             <a:fld id="{F2660061-179A-47E0-86E3-D8374BC4401E}" type="datetimeFigureOut">
               <a:rPr lang="en-US" smtClean="0"/>
-              <a:t>8/3/2021</a:t>
+              <a:t>10/19/2021</a:t>
             </a:fld>
             <a:endParaRPr lang="en-US"/>
           </a:p>
@@ -4306,7 +4305,7 @@
           <a:p>
             <a:fld id="{F2660061-179A-47E0-86E3-D8374BC4401E}" type="datetimeFigureOut">
               <a:rPr lang="en-US" smtClean="0"/>
-              <a:t>8/3/2021</a:t>
+              <a:t>10/19/2021</a:t>
             </a:fld>
             <a:endParaRPr lang="en-US"/>
           </a:p>
@@ -4432,7 +4431,7 @@
           <a:p>
             <a:fld id="{F2660061-179A-47E0-86E3-D8374BC4401E}" type="datetimeFigureOut">
               <a:rPr lang="en-US" smtClean="0"/>
-              <a:t>8/3/2021</a:t>
+              <a:t>10/19/2021</a:t>
             </a:fld>
             <a:endParaRPr lang="en-US"/>
           </a:p>
@@ -4687,7 +4686,7 @@
           <a:p>
             <a:fld id="{F2660061-179A-47E0-86E3-D8374BC4401E}" type="datetimeFigureOut">
               <a:rPr lang="en-US" smtClean="0"/>
-              <a:t>8/3/2021</a:t>
+              <a:t>10/19/2021</a:t>
             </a:fld>
             <a:endParaRPr lang="en-US"/>
           </a:p>
@@ -5001,7 +5000,7 @@
           <a:p>
             <a:fld id="{F2660061-179A-47E0-86E3-D8374BC4401E}" type="datetimeFigureOut">
               <a:rPr lang="en-US" smtClean="0"/>
-              <a:t>8/3/2021</a:t>
+              <a:t>10/19/2021</a:t>
             </a:fld>
             <a:endParaRPr lang="en-US"/>
           </a:p>
@@ -5352,7 +5351,7 @@
           <a:p>
             <a:fld id="{F2660061-179A-47E0-86E3-D8374BC4401E}" type="datetimeFigureOut">
               <a:rPr lang="en-US" smtClean="0"/>
-              <a:t>8/3/2021</a:t>
+              <a:t>10/19/2021</a:t>
             </a:fld>
             <a:endParaRPr lang="en-US"/>
           </a:p>
@@ -6007,136 +6006,6 @@
           <p:cNvPr id="2" name="Title 1">
             <a:extLst>
               <a:ext uri="{FF2B5EF4-FFF2-40B4-BE49-F238E27FC236}">
-                <a16:creationId xmlns:a16="http://schemas.microsoft.com/office/drawing/2014/main" id="{970ED656-37E3-4A09-A382-F4DE35C1F06D}"/>
-              </a:ext>
-            </a:extLst>
-          </p:cNvPr>
-          <p:cNvSpPr>
-            <a:spLocks noGrp="1"/>
-          </p:cNvSpPr>
-          <p:nvPr>
-            <p:ph type="title"/>
-          </p:nvPr>
-        </p:nvSpPr>
-        <p:spPr/>
-        <p:txBody>
-          <a:bodyPr/>
-          <a:lstStyle/>
-          <a:p>
-            <a:r>
-              <a:rPr lang="en-IN" dirty="0"/>
-              <a:t>Task</a:t>
-            </a:r>
-          </a:p>
-        </p:txBody>
-      </p:sp>
-      <p:sp>
-        <p:nvSpPr>
-          <p:cNvPr id="4" name="TextBox 3">
-            <a:extLst>
-              <a:ext uri="{FF2B5EF4-FFF2-40B4-BE49-F238E27FC236}">
-                <a16:creationId xmlns:a16="http://schemas.microsoft.com/office/drawing/2014/main" id="{3F33EC26-6369-465D-BB31-CEF20078864B}"/>
-              </a:ext>
-            </a:extLst>
-          </p:cNvPr>
-          <p:cNvSpPr txBox="1"/>
-          <p:nvPr/>
-        </p:nvSpPr>
-        <p:spPr>
-          <a:xfrm>
-            <a:off x="1259632" y="2996952"/>
-            <a:ext cx="6192688" cy="2308324"/>
-          </a:xfrm>
-          <a:prstGeom prst="rect">
-            <a:avLst/>
-          </a:prstGeom>
-          <a:noFill/>
-        </p:spPr>
-        <p:txBody>
-          <a:bodyPr wrap="square" rtlCol="0">
-            <a:spAutoFit/>
-          </a:bodyPr>
-          <a:lstStyle/>
-          <a:p>
-            <a:r>
-              <a:rPr lang="en-IN" dirty="0"/>
-              <a:t>Insert all the credentials of a user and compare for all the values inserted </a:t>
-            </a:r>
-            <a:r>
-              <a:rPr lang="en-IN" dirty="0" err="1"/>
-              <a:t>i.e</a:t>
-            </a:r>
-            <a:r>
-              <a:rPr lang="en-IN" dirty="0"/>
-              <a:t> name, age, percentage </a:t>
-            </a:r>
-            <a:br>
-              <a:rPr lang="en-IN" dirty="0"/>
-            </a:br>
-            <a:r>
-              <a:rPr lang="en-IN" dirty="0"/>
-              <a:t>if all the conditions are true then say welcome</a:t>
-            </a:r>
-          </a:p>
-          <a:p>
-            <a:r>
-              <a:rPr lang="en-IN" dirty="0"/>
-              <a:t>Otherwise say sorry you are not the user.</a:t>
-            </a:r>
-            <a:br>
-              <a:rPr lang="en-IN" dirty="0"/>
-            </a:br>
-            <a:br>
-              <a:rPr lang="en-IN" dirty="0"/>
-            </a:br>
-            <a:r>
-              <a:rPr lang="en-IN" dirty="0"/>
-              <a:t>If the conditions are true:</a:t>
-            </a:r>
-          </a:p>
-          <a:p>
-            <a:r>
-              <a:rPr lang="en-IN" dirty="0"/>
-              <a:t>	take the 4 ages(either as a float or int) and then calculate the 	sum.</a:t>
-            </a:r>
-          </a:p>
-        </p:txBody>
-      </p:sp>
-    </p:spTree>
-    <p:extLst>
-      <p:ext uri="{BB962C8B-B14F-4D97-AF65-F5344CB8AC3E}">
-        <p14:creationId xmlns:p14="http://schemas.microsoft.com/office/powerpoint/2010/main" val="1585962154"/>
-      </p:ext>
-    </p:extLst>
-  </p:cSld>
-  <p:clrMapOvr>
-    <a:masterClrMapping/>
-  </p:clrMapOvr>
-</p:sld>
-</file>
-
-<file path=ppt/slides/slide11.xml><?xml version="1.0" encoding="utf-8"?>
-<p:sld xmlns:a="http://schemas.openxmlformats.org/drawingml/2006/main" xmlns:r="http://schemas.openxmlformats.org/officeDocument/2006/relationships" xmlns:p="http://schemas.openxmlformats.org/presentationml/2006/main">
-  <p:cSld>
-    <p:spTree>
-      <p:nvGrpSpPr>
-        <p:cNvPr id="1" name=""/>
-        <p:cNvGrpSpPr/>
-        <p:nvPr/>
-      </p:nvGrpSpPr>
-      <p:grpSpPr>
-        <a:xfrm>
-          <a:off x="0" y="0"/>
-          <a:ext cx="0" cy="0"/>
-          <a:chOff x="0" y="0"/>
-          <a:chExt cx="0" cy="0"/>
-        </a:xfrm>
-      </p:grpSpPr>
-      <p:sp>
-        <p:nvSpPr>
-          <p:cNvPr id="2" name="Title 1">
-            <a:extLst>
-              <a:ext uri="{FF2B5EF4-FFF2-40B4-BE49-F238E27FC236}">
                 <a16:creationId xmlns:a16="http://schemas.microsoft.com/office/drawing/2014/main" id="{C8F4319C-57FD-4654-911C-5155CE9B97EA}"/>
               </a:ext>
             </a:extLst>
@@ -6413,7 +6282,7 @@
           <p:cNvPr id="2" name="Title 1">
             <a:extLst>
               <a:ext uri="{FF2B5EF4-FFF2-40B4-BE49-F238E27FC236}">
-                <a16:creationId xmlns:a16="http://schemas.microsoft.com/office/drawing/2014/main" id="{A8323C09-DD1D-4C92-933A-31ABFC77189F}"/>
+                <a16:creationId xmlns:a16="http://schemas.microsoft.com/office/drawing/2014/main" id="{98D6AD52-63F8-4C62-9EC8-FE4B1DD37788}"/>
               </a:ext>
             </a:extLst>
           </p:cNvPr>
@@ -6430,215 +6299,333 @@
           <a:lstStyle/>
           <a:p>
             <a:r>
-              <a:rPr lang="en-IN" dirty="0"/>
-              <a:t>Day 5 H.W.</a:t>
-            </a:r>
-          </a:p>
-        </p:txBody>
-      </p:sp>
-      <p:sp>
-        <p:nvSpPr>
-          <p:cNvPr id="4" name="TextBox 3">
+              <a:rPr lang="en-IN" b="1" dirty="0"/>
+              <a:t>Condition </a:t>
+            </a:r>
+          </a:p>
+        </p:txBody>
+      </p:sp>
+      <p:sp>
+        <p:nvSpPr>
+          <p:cNvPr id="4" name="Rectangle 3">
             <a:extLst>
               <a:ext uri="{FF2B5EF4-FFF2-40B4-BE49-F238E27FC236}">
-                <a16:creationId xmlns:a16="http://schemas.microsoft.com/office/drawing/2014/main" id="{2C42672F-448F-4011-8E1C-E401C073F8AD}"/>
+                <a16:creationId xmlns:a16="http://schemas.microsoft.com/office/drawing/2014/main" id="{CC4900D1-6327-4E0D-8A3D-D314F74C02FF}"/>
               </a:ext>
             </a:extLst>
           </p:cNvPr>
-          <p:cNvSpPr txBox="1"/>
+          <p:cNvSpPr/>
           <p:nvPr/>
         </p:nvSpPr>
         <p:spPr>
           <a:xfrm>
-            <a:off x="755576" y="2924944"/>
-            <a:ext cx="4576396" cy="2031325"/>
+            <a:off x="3347864" y="2636912"/>
+            <a:ext cx="2376264" cy="792088"/>
           </a:xfrm>
           <a:prstGeom prst="rect">
             <a:avLst/>
           </a:prstGeom>
-          <a:noFill/>
-        </p:spPr>
-        <p:txBody>
-          <a:bodyPr wrap="square">
-            <a:spAutoFit/>
-          </a:bodyPr>
-          <a:lstStyle/>
-          <a:p>
-            <a:r>
-              <a:rPr lang="en-IN" dirty="0"/>
-              <a:t>age=int(input("Insert the age"))</a:t>
-            </a:r>
-          </a:p>
-          <a:p>
-            <a:r>
-              <a:rPr lang="en-IN" dirty="0"/>
-              <a:t>print("Age : ",age)</a:t>
-            </a:r>
-          </a:p>
-          <a:p>
-            <a:r>
-              <a:rPr lang="en-IN" dirty="0"/>
-              <a:t>print(type(age))</a:t>
-            </a:r>
-          </a:p>
-          <a:p>
-            <a:endParaRPr lang="en-IN" dirty="0"/>
-          </a:p>
-          <a:p>
-            <a:r>
-              <a:rPr lang="en-IN" dirty="0"/>
-              <a:t>percentage=float(input("Insert the percentage"))</a:t>
-            </a:r>
-          </a:p>
-          <a:p>
-            <a:r>
-              <a:rPr lang="en-IN" dirty="0"/>
-              <a:t>print("Percentage : ",percentage)</a:t>
-            </a:r>
-          </a:p>
-          <a:p>
-            <a:r>
-              <a:rPr lang="en-IN" dirty="0"/>
-              <a:t>print(type(percentage))</a:t>
-            </a:r>
-          </a:p>
-        </p:txBody>
-      </p:sp>
-      <p:sp>
-        <p:nvSpPr>
-          <p:cNvPr id="6" name="TextBox 5">
+        </p:spPr>
+        <p:style>
+          <a:lnRef idx="2">
+            <a:schemeClr val="accent1">
+              <a:shade val="50000"/>
+            </a:schemeClr>
+          </a:lnRef>
+          <a:fillRef idx="1">
+            <a:schemeClr val="accent1"/>
+          </a:fillRef>
+          <a:effectRef idx="0">
+            <a:schemeClr val="accent1"/>
+          </a:effectRef>
+          <a:fontRef idx="minor">
+            <a:schemeClr val="lt1"/>
+          </a:fontRef>
+        </p:style>
+        <p:txBody>
+          <a:bodyPr rtlCol="0" anchor="ctr"/>
+          <a:lstStyle/>
+          <a:p>
+            <a:pPr algn="ctr"/>
+            <a:r>
+              <a:rPr lang="en-IN" sz="2800" b="1" dirty="0"/>
+              <a:t>Sunny / Rainy</a:t>
+            </a:r>
+          </a:p>
+        </p:txBody>
+      </p:sp>
+      <p:cxnSp>
+        <p:nvCxnSpPr>
+          <p:cNvPr id="6" name="Straight Arrow Connector 5">
             <a:extLst>
               <a:ext uri="{FF2B5EF4-FFF2-40B4-BE49-F238E27FC236}">
-                <a16:creationId xmlns:a16="http://schemas.microsoft.com/office/drawing/2014/main" id="{DC1951E1-039A-46B8-8895-CA421A9165C1}"/>
+                <a16:creationId xmlns:a16="http://schemas.microsoft.com/office/drawing/2014/main" id="{95F22966-539C-4D37-BEE3-47272EFEF802}"/>
               </a:ext>
             </a:extLst>
           </p:cNvPr>
-          <p:cNvSpPr txBox="1"/>
+          <p:cNvCxnSpPr/>
           <p:nvPr/>
-        </p:nvSpPr>
-        <p:spPr>
-          <a:xfrm>
-            <a:off x="5508104" y="2420888"/>
-            <a:ext cx="4576396" cy="3693319"/>
+        </p:nvCxnSpPr>
+        <p:spPr>
+          <a:xfrm flipH="1">
+            <a:off x="2987824" y="3573016"/>
+            <a:ext cx="504056" cy="936104"/>
+          </a:xfrm>
+          <a:prstGeom prst="straightConnector1">
+            <a:avLst/>
+          </a:prstGeom>
+          <a:ln>
+            <a:tailEnd type="triangle"/>
+          </a:ln>
+        </p:spPr>
+        <p:style>
+          <a:lnRef idx="1">
+            <a:schemeClr val="accent1"/>
+          </a:lnRef>
+          <a:fillRef idx="0">
+            <a:schemeClr val="accent1"/>
+          </a:fillRef>
+          <a:effectRef idx="0">
+            <a:schemeClr val="accent1"/>
+          </a:effectRef>
+          <a:fontRef idx="minor">
+            <a:schemeClr val="tx1"/>
+          </a:fontRef>
+        </p:style>
+      </p:cxnSp>
+      <p:sp>
+        <p:nvSpPr>
+          <p:cNvPr id="7" name="Rectangle 6">
+            <a:extLst>
+              <a:ext uri="{FF2B5EF4-FFF2-40B4-BE49-F238E27FC236}">
+                <a16:creationId xmlns:a16="http://schemas.microsoft.com/office/drawing/2014/main" id="{AE999B51-C0F9-4FD6-8547-3115A591095D}"/>
+              </a:ext>
+            </a:extLst>
+          </p:cNvPr>
+          <p:cNvSpPr/>
+          <p:nvPr/>
+        </p:nvSpPr>
+        <p:spPr>
+          <a:xfrm>
+            <a:off x="1835696" y="4653136"/>
+            <a:ext cx="1656184" cy="792088"/>
           </a:xfrm>
           <a:prstGeom prst="rect">
             <a:avLst/>
           </a:prstGeom>
-          <a:noFill/>
-        </p:spPr>
-        <p:txBody>
-          <a:bodyPr wrap="square">
-            <a:spAutoFit/>
-          </a:bodyPr>
-          <a:lstStyle/>
-          <a:p>
-            <a:r>
-              <a:rPr lang="en-IN" dirty="0" err="1"/>
-              <a:t>num</a:t>
-            </a:r>
+        </p:spPr>
+        <p:style>
+          <a:lnRef idx="2">
+            <a:schemeClr val="accent1">
+              <a:shade val="50000"/>
+            </a:schemeClr>
+          </a:lnRef>
+          <a:fillRef idx="1">
+            <a:schemeClr val="accent1"/>
+          </a:fillRef>
+          <a:effectRef idx="0">
+            <a:schemeClr val="accent1"/>
+          </a:effectRef>
+          <a:fontRef idx="minor">
+            <a:schemeClr val="lt1"/>
+          </a:fontRef>
+        </p:style>
+        <p:txBody>
+          <a:bodyPr rtlCol="0" anchor="ctr"/>
+          <a:lstStyle/>
+          <a:p>
+            <a:pPr algn="ctr"/>
             <a:r>
               <a:rPr lang="en-IN" dirty="0"/>
-              <a:t>=int(float(input("Age")))</a:t>
-            </a:r>
-          </a:p>
-          <a:p>
+              <a:t>Wear a t shirt</a:t>
+            </a:r>
+          </a:p>
+        </p:txBody>
+      </p:sp>
+      <p:sp>
+        <p:nvSpPr>
+          <p:cNvPr id="8" name="Rectangle 7">
+            <a:extLst>
+              <a:ext uri="{FF2B5EF4-FFF2-40B4-BE49-F238E27FC236}">
+                <a16:creationId xmlns:a16="http://schemas.microsoft.com/office/drawing/2014/main" id="{539B4449-C59A-41D9-882B-BCBC68A5A890}"/>
+              </a:ext>
+            </a:extLst>
+          </p:cNvPr>
+          <p:cNvSpPr/>
+          <p:nvPr/>
+        </p:nvSpPr>
+        <p:spPr>
+          <a:xfrm>
+            <a:off x="4932040" y="4644235"/>
+            <a:ext cx="1656184" cy="792088"/>
+          </a:xfrm>
+          <a:prstGeom prst="rect">
+            <a:avLst/>
+          </a:prstGeom>
+        </p:spPr>
+        <p:style>
+          <a:lnRef idx="2">
+            <a:schemeClr val="accent1">
+              <a:shade val="50000"/>
+            </a:schemeClr>
+          </a:lnRef>
+          <a:fillRef idx="1">
+            <a:schemeClr val="accent1"/>
+          </a:fillRef>
+          <a:effectRef idx="0">
+            <a:schemeClr val="accent1"/>
+          </a:effectRef>
+          <a:fontRef idx="minor">
+            <a:schemeClr val="lt1"/>
+          </a:fontRef>
+        </p:style>
+        <p:txBody>
+          <a:bodyPr rtlCol="0" anchor="ctr"/>
+          <a:lstStyle/>
+          <a:p>
+            <a:pPr algn="ctr"/>
             <a:r>
               <a:rPr lang="en-IN" dirty="0"/>
-              <a:t>print(</a:t>
-            </a:r>
-            <a:r>
-              <a:rPr lang="en-IN" dirty="0" err="1"/>
-              <a:t>num</a:t>
-            </a:r>
+              <a:t>Wear a raincoat</a:t>
+            </a:r>
+          </a:p>
+        </p:txBody>
+      </p:sp>
+      <p:cxnSp>
+        <p:nvCxnSpPr>
+          <p:cNvPr id="9" name="Straight Arrow Connector 8">
+            <a:extLst>
+              <a:ext uri="{FF2B5EF4-FFF2-40B4-BE49-F238E27FC236}">
+                <a16:creationId xmlns:a16="http://schemas.microsoft.com/office/drawing/2014/main" id="{7FA01486-3811-4DD4-9E9E-A55DFF46EF08}"/>
+              </a:ext>
+            </a:extLst>
+          </p:cNvPr>
+          <p:cNvCxnSpPr>
+            <a:cxnSpLocks/>
+          </p:cNvCxnSpPr>
+          <p:nvPr/>
+        </p:nvCxnSpPr>
+        <p:spPr>
+          <a:xfrm>
+            <a:off x="5623740" y="3541299"/>
+            <a:ext cx="532436" cy="967821"/>
+          </a:xfrm>
+          <a:prstGeom prst="straightConnector1">
+            <a:avLst/>
+          </a:prstGeom>
+          <a:ln>
+            <a:tailEnd type="triangle"/>
+          </a:ln>
+        </p:spPr>
+        <p:style>
+          <a:lnRef idx="1">
+            <a:schemeClr val="accent1"/>
+          </a:lnRef>
+          <a:fillRef idx="0">
+            <a:schemeClr val="accent1"/>
+          </a:fillRef>
+          <a:effectRef idx="0">
+            <a:schemeClr val="accent1"/>
+          </a:effectRef>
+          <a:fontRef idx="minor">
+            <a:schemeClr val="tx1"/>
+          </a:fontRef>
+        </p:style>
+      </p:cxnSp>
+      <p:sp>
+        <p:nvSpPr>
+          <p:cNvPr id="11" name="Oval 10">
+            <a:extLst>
+              <a:ext uri="{FF2B5EF4-FFF2-40B4-BE49-F238E27FC236}">
+                <a16:creationId xmlns:a16="http://schemas.microsoft.com/office/drawing/2014/main" id="{60ED40C0-0AB5-423A-9BBE-E48B950F14DE}"/>
+              </a:ext>
+            </a:extLst>
+          </p:cNvPr>
+          <p:cNvSpPr/>
+          <p:nvPr/>
+        </p:nvSpPr>
+        <p:spPr>
+          <a:xfrm>
+            <a:off x="2123728" y="3573016"/>
+            <a:ext cx="1152128" cy="576064"/>
+          </a:xfrm>
+          <a:prstGeom prst="ellipse">
+            <a:avLst/>
+          </a:prstGeom>
+        </p:spPr>
+        <p:style>
+          <a:lnRef idx="2">
+            <a:schemeClr val="accent1">
+              <a:shade val="50000"/>
+            </a:schemeClr>
+          </a:lnRef>
+          <a:fillRef idx="1">
+            <a:schemeClr val="accent1"/>
+          </a:fillRef>
+          <a:effectRef idx="0">
+            <a:schemeClr val="accent1"/>
+          </a:effectRef>
+          <a:fontRef idx="minor">
+            <a:schemeClr val="lt1"/>
+          </a:fontRef>
+        </p:style>
+        <p:txBody>
+          <a:bodyPr rtlCol="0" anchor="ctr"/>
+          <a:lstStyle/>
+          <a:p>
+            <a:pPr algn="ctr"/>
             <a:r>
               <a:rPr lang="en-IN" dirty="0"/>
-              <a:t>)</a:t>
-            </a:r>
-          </a:p>
-          <a:p>
+              <a:t>Sunny</a:t>
+            </a:r>
+          </a:p>
+        </p:txBody>
+      </p:sp>
+      <p:sp>
+        <p:nvSpPr>
+          <p:cNvPr id="12" name="Oval 11">
+            <a:extLst>
+              <a:ext uri="{FF2B5EF4-FFF2-40B4-BE49-F238E27FC236}">
+                <a16:creationId xmlns:a16="http://schemas.microsoft.com/office/drawing/2014/main" id="{B3FAB362-991F-4F7F-B6F8-F134C54D3C71}"/>
+              </a:ext>
+            </a:extLst>
+          </p:cNvPr>
+          <p:cNvSpPr/>
+          <p:nvPr/>
+        </p:nvSpPr>
+        <p:spPr>
+          <a:xfrm>
+            <a:off x="5921452" y="3595165"/>
+            <a:ext cx="1152128" cy="576064"/>
+          </a:xfrm>
+          <a:prstGeom prst="ellipse">
+            <a:avLst/>
+          </a:prstGeom>
+        </p:spPr>
+        <p:style>
+          <a:lnRef idx="2">
+            <a:schemeClr val="accent1">
+              <a:shade val="50000"/>
+            </a:schemeClr>
+          </a:lnRef>
+          <a:fillRef idx="1">
+            <a:schemeClr val="accent1"/>
+          </a:fillRef>
+          <a:effectRef idx="0">
+            <a:schemeClr val="accent1"/>
+          </a:effectRef>
+          <a:fontRef idx="minor">
+            <a:schemeClr val="lt1"/>
+          </a:fontRef>
+        </p:style>
+        <p:txBody>
+          <a:bodyPr rtlCol="0" anchor="ctr"/>
+          <a:lstStyle/>
+          <a:p>
+            <a:pPr algn="ctr"/>
             <a:r>
               <a:rPr lang="en-IN" dirty="0"/>
-              <a:t>print(type(</a:t>
-            </a:r>
-            <a:r>
-              <a:rPr lang="en-IN" dirty="0" err="1"/>
-              <a:t>num</a:t>
-            </a:r>
-            <a:r>
-              <a:rPr lang="en-IN" dirty="0"/>
-              <a:t>))</a:t>
-            </a:r>
-          </a:p>
-          <a:p>
-            <a:endParaRPr lang="en-IN" dirty="0"/>
-          </a:p>
-          <a:p>
-            <a:endParaRPr lang="en-IN" dirty="0"/>
-          </a:p>
-          <a:p>
-            <a:r>
-              <a:rPr lang="en-IN" dirty="0" err="1"/>
-              <a:t>flt</a:t>
-            </a:r>
-            <a:r>
-              <a:rPr lang="en-IN" dirty="0"/>
-              <a:t>=89.64</a:t>
-            </a:r>
-          </a:p>
-          <a:p>
-            <a:r>
-              <a:rPr lang="en-IN" dirty="0" err="1"/>
-              <a:t>integr</a:t>
-            </a:r>
-            <a:r>
-              <a:rPr lang="en-IN" dirty="0"/>
-              <a:t>=int(</a:t>
-            </a:r>
-            <a:r>
-              <a:rPr lang="en-IN" dirty="0" err="1"/>
-              <a:t>flt</a:t>
-            </a:r>
-            <a:r>
-              <a:rPr lang="en-IN" dirty="0"/>
-              <a:t>)</a:t>
-            </a:r>
-          </a:p>
-          <a:p>
-            <a:endParaRPr lang="en-IN" dirty="0"/>
-          </a:p>
-          <a:p>
-            <a:r>
-              <a:rPr lang="en-IN" dirty="0"/>
-              <a:t>integr2=57</a:t>
-            </a:r>
-          </a:p>
-          <a:p>
-            <a:r>
-              <a:rPr lang="en-IN" dirty="0"/>
-              <a:t>flt2=float(integr2)</a:t>
-            </a:r>
-          </a:p>
-          <a:p>
-            <a:endParaRPr lang="en-IN" dirty="0"/>
-          </a:p>
-          <a:p>
-            <a:r>
-              <a:rPr lang="en-IN" dirty="0"/>
-              <a:t>print(</a:t>
-            </a:r>
-            <a:r>
-              <a:rPr lang="en-IN" dirty="0" err="1"/>
-              <a:t>integr</a:t>
-            </a:r>
-            <a:r>
-              <a:rPr lang="en-IN" dirty="0"/>
-              <a:t>)</a:t>
-            </a:r>
-          </a:p>
-          <a:p>
-            <a:r>
-              <a:rPr lang="en-IN" dirty="0"/>
-              <a:t>print(flt2)</a:t>
+              <a:t>Rainy</a:t>
             </a:r>
           </a:p>
         </p:txBody>
@@ -6646,7 +6633,7 @@
     </p:spTree>
     <p:extLst>
       <p:ext uri="{BB962C8B-B14F-4D97-AF65-F5344CB8AC3E}">
-        <p14:creationId xmlns:p14="http://schemas.microsoft.com/office/powerpoint/2010/main" val="3044666459"/>
+        <p14:creationId xmlns:p14="http://schemas.microsoft.com/office/powerpoint/2010/main" val="4117352936"/>
       </p:ext>
     </p:extLst>
   </p:cSld>
@@ -6678,7 +6665,7 @@
           <p:cNvPr id="2" name="Title 1">
             <a:extLst>
               <a:ext uri="{FF2B5EF4-FFF2-40B4-BE49-F238E27FC236}">
-                <a16:creationId xmlns:a16="http://schemas.microsoft.com/office/drawing/2014/main" id="{98D6AD52-63F8-4C62-9EC8-FE4B1DD37788}"/>
+                <a16:creationId xmlns:a16="http://schemas.microsoft.com/office/drawing/2014/main" id="{B26FB5EE-1A9E-4468-83B3-0DEA8331F3AE}"/>
               </a:ext>
             </a:extLst>
           </p:cNvPr>
@@ -6695,333 +6682,131 @@
           <a:lstStyle/>
           <a:p>
             <a:r>
-              <a:rPr lang="en-IN" b="1" dirty="0"/>
-              <a:t>Condition </a:t>
-            </a:r>
-          </a:p>
-        </p:txBody>
-      </p:sp>
-      <p:sp>
-        <p:nvSpPr>
-          <p:cNvPr id="4" name="Rectangle 3">
+              <a:rPr lang="en-IN" dirty="0"/>
+              <a:t>Syntax</a:t>
+            </a:r>
+          </a:p>
+        </p:txBody>
+      </p:sp>
+      <p:sp>
+        <p:nvSpPr>
+          <p:cNvPr id="3" name="TextBox 2">
             <a:extLst>
               <a:ext uri="{FF2B5EF4-FFF2-40B4-BE49-F238E27FC236}">
-                <a16:creationId xmlns:a16="http://schemas.microsoft.com/office/drawing/2014/main" id="{CC4900D1-6327-4E0D-8A3D-D314F74C02FF}"/>
+                <a16:creationId xmlns:a16="http://schemas.microsoft.com/office/drawing/2014/main" id="{7CF0CEA9-C8F8-4ED9-870F-5727CF8E7BD9}"/>
               </a:ext>
             </a:extLst>
           </p:cNvPr>
-          <p:cNvSpPr/>
+          <p:cNvSpPr txBox="1"/>
           <p:nvPr/>
         </p:nvSpPr>
         <p:spPr>
           <a:xfrm>
-            <a:off x="3347864" y="2636912"/>
-            <a:ext cx="2376264" cy="792088"/>
+            <a:off x="1403648" y="2996952"/>
+            <a:ext cx="7056784" cy="830997"/>
           </a:xfrm>
           <a:prstGeom prst="rect">
             <a:avLst/>
           </a:prstGeom>
-        </p:spPr>
-        <p:style>
-          <a:lnRef idx="2">
-            <a:schemeClr val="accent1">
-              <a:shade val="50000"/>
-            </a:schemeClr>
-          </a:lnRef>
-          <a:fillRef idx="1">
-            <a:schemeClr val="accent1"/>
-          </a:fillRef>
-          <a:effectRef idx="0">
-            <a:schemeClr val="accent1"/>
-          </a:effectRef>
-          <a:fontRef idx="minor">
-            <a:schemeClr val="lt1"/>
-          </a:fontRef>
-        </p:style>
-        <p:txBody>
-          <a:bodyPr rtlCol="0" anchor="ctr"/>
-          <a:lstStyle/>
-          <a:p>
-            <a:pPr algn="ctr"/>
-            <a:r>
-              <a:rPr lang="en-IN" sz="2800" b="1" dirty="0"/>
-              <a:t>Sunny / Rainy</a:t>
-            </a:r>
-          </a:p>
-        </p:txBody>
-      </p:sp>
-      <p:cxnSp>
-        <p:nvCxnSpPr>
-          <p:cNvPr id="6" name="Straight Arrow Connector 5">
+          <a:noFill/>
+        </p:spPr>
+        <p:txBody>
+          <a:bodyPr wrap="square" rtlCol="0">
+            <a:spAutoFit/>
+          </a:bodyPr>
+          <a:lstStyle/>
+          <a:p>
+            <a:r>
+              <a:rPr lang="en-IN" sz="2400" b="1" dirty="0"/>
+              <a:t>If( condition) :</a:t>
+            </a:r>
+          </a:p>
+          <a:p>
+            <a:r>
+              <a:rPr lang="en-IN" sz="2400" b="1" dirty="0"/>
+              <a:t>	Task</a:t>
+            </a:r>
+          </a:p>
+        </p:txBody>
+      </p:sp>
+      <p:sp>
+        <p:nvSpPr>
+          <p:cNvPr id="4" name="TextBox 3">
             <a:extLst>
               <a:ext uri="{FF2B5EF4-FFF2-40B4-BE49-F238E27FC236}">
-                <a16:creationId xmlns:a16="http://schemas.microsoft.com/office/drawing/2014/main" id="{95F22966-539C-4D37-BEE3-47272EFEF802}"/>
+                <a16:creationId xmlns:a16="http://schemas.microsoft.com/office/drawing/2014/main" id="{638A8C46-6EF1-48BC-BF2D-3FA710AA4647}"/>
               </a:ext>
             </a:extLst>
           </p:cNvPr>
-          <p:cNvCxnSpPr/>
+          <p:cNvSpPr txBox="1"/>
           <p:nvPr/>
-        </p:nvCxnSpPr>
-        <p:spPr>
-          <a:xfrm flipH="1">
-            <a:off x="2987824" y="3573016"/>
-            <a:ext cx="504056" cy="936104"/>
-          </a:xfrm>
-          <a:prstGeom prst="straightConnector1">
+        </p:nvSpPr>
+        <p:spPr>
+          <a:xfrm>
+            <a:off x="899592" y="4725144"/>
+            <a:ext cx="1944216" cy="646331"/>
+          </a:xfrm>
+          <a:prstGeom prst="rect">
             <a:avLst/>
           </a:prstGeom>
-          <a:ln>
-            <a:tailEnd type="triangle"/>
-          </a:ln>
-        </p:spPr>
-        <p:style>
-          <a:lnRef idx="1">
-            <a:schemeClr val="accent1"/>
-          </a:lnRef>
-          <a:fillRef idx="0">
-            <a:schemeClr val="accent1"/>
-          </a:fillRef>
-          <a:effectRef idx="0">
-            <a:schemeClr val="accent1"/>
-          </a:effectRef>
-          <a:fontRef idx="minor">
-            <a:schemeClr val="tx1"/>
-          </a:fontRef>
-        </p:style>
-      </p:cxnSp>
-      <p:sp>
-        <p:nvSpPr>
-          <p:cNvPr id="7" name="Rectangle 6">
+          <a:noFill/>
+        </p:spPr>
+        <p:txBody>
+          <a:bodyPr wrap="square" rtlCol="0">
+            <a:spAutoFit/>
+          </a:bodyPr>
+          <a:lstStyle/>
+          <a:p>
+            <a:r>
+              <a:rPr lang="en-IN" dirty="0"/>
+              <a:t>If weather=sunny:</a:t>
+            </a:r>
+          </a:p>
+          <a:p>
+            <a:r>
+              <a:rPr lang="en-IN" dirty="0"/>
+              <a:t>	wear a t-shirt</a:t>
+            </a:r>
+          </a:p>
+        </p:txBody>
+      </p:sp>
+      <p:sp>
+        <p:nvSpPr>
+          <p:cNvPr id="5" name="TextBox 4">
             <a:extLst>
               <a:ext uri="{FF2B5EF4-FFF2-40B4-BE49-F238E27FC236}">
-                <a16:creationId xmlns:a16="http://schemas.microsoft.com/office/drawing/2014/main" id="{AE999B51-C0F9-4FD6-8547-3115A591095D}"/>
+                <a16:creationId xmlns:a16="http://schemas.microsoft.com/office/drawing/2014/main" id="{C4BF3AF9-8D25-4B57-B517-B1ABD8A3DB55}"/>
               </a:ext>
             </a:extLst>
           </p:cNvPr>
-          <p:cNvSpPr/>
+          <p:cNvSpPr txBox="1"/>
           <p:nvPr/>
         </p:nvSpPr>
         <p:spPr>
           <a:xfrm>
-            <a:off x="1835696" y="4653136"/>
-            <a:ext cx="1656184" cy="792088"/>
+            <a:off x="3959932" y="4725144"/>
+            <a:ext cx="2268252" cy="646331"/>
           </a:xfrm>
           <a:prstGeom prst="rect">
             <a:avLst/>
           </a:prstGeom>
-        </p:spPr>
-        <p:style>
-          <a:lnRef idx="2">
-            <a:schemeClr val="accent1">
-              <a:shade val="50000"/>
-            </a:schemeClr>
-          </a:lnRef>
-          <a:fillRef idx="1">
-            <a:schemeClr val="accent1"/>
-          </a:fillRef>
-          <a:effectRef idx="0">
-            <a:schemeClr val="accent1"/>
-          </a:effectRef>
-          <a:fontRef idx="minor">
-            <a:schemeClr val="lt1"/>
-          </a:fontRef>
-        </p:style>
-        <p:txBody>
-          <a:bodyPr rtlCol="0" anchor="ctr"/>
-          <a:lstStyle/>
-          <a:p>
-            <a:pPr algn="ctr"/>
+          <a:noFill/>
+        </p:spPr>
+        <p:txBody>
+          <a:bodyPr wrap="square" rtlCol="0">
+            <a:spAutoFit/>
+          </a:bodyPr>
+          <a:lstStyle/>
+          <a:p>
             <a:r>
               <a:rPr lang="en-IN" dirty="0"/>
-              <a:t>Wear a t shirt</a:t>
-            </a:r>
-          </a:p>
-        </p:txBody>
-      </p:sp>
-      <p:sp>
-        <p:nvSpPr>
-          <p:cNvPr id="8" name="Rectangle 7">
-            <a:extLst>
-              <a:ext uri="{FF2B5EF4-FFF2-40B4-BE49-F238E27FC236}">
-                <a16:creationId xmlns:a16="http://schemas.microsoft.com/office/drawing/2014/main" id="{539B4449-C59A-41D9-882B-BCBC68A5A890}"/>
-              </a:ext>
-            </a:extLst>
-          </p:cNvPr>
-          <p:cNvSpPr/>
-          <p:nvPr/>
-        </p:nvSpPr>
-        <p:spPr>
-          <a:xfrm>
-            <a:off x="4932040" y="4644235"/>
-            <a:ext cx="1656184" cy="792088"/>
-          </a:xfrm>
-          <a:prstGeom prst="rect">
-            <a:avLst/>
-          </a:prstGeom>
-        </p:spPr>
-        <p:style>
-          <a:lnRef idx="2">
-            <a:schemeClr val="accent1">
-              <a:shade val="50000"/>
-            </a:schemeClr>
-          </a:lnRef>
-          <a:fillRef idx="1">
-            <a:schemeClr val="accent1"/>
-          </a:fillRef>
-          <a:effectRef idx="0">
-            <a:schemeClr val="accent1"/>
-          </a:effectRef>
-          <a:fontRef idx="minor">
-            <a:schemeClr val="lt1"/>
-          </a:fontRef>
-        </p:style>
-        <p:txBody>
-          <a:bodyPr rtlCol="0" anchor="ctr"/>
-          <a:lstStyle/>
-          <a:p>
-            <a:pPr algn="ctr"/>
+              <a:t>If weather=rainy:</a:t>
+            </a:r>
+          </a:p>
+          <a:p>
             <a:r>
               <a:rPr lang="en-IN" dirty="0"/>
-              <a:t>Wear a raincoat</a:t>
-            </a:r>
-          </a:p>
-        </p:txBody>
-      </p:sp>
-      <p:cxnSp>
-        <p:nvCxnSpPr>
-          <p:cNvPr id="9" name="Straight Arrow Connector 8">
-            <a:extLst>
-              <a:ext uri="{FF2B5EF4-FFF2-40B4-BE49-F238E27FC236}">
-                <a16:creationId xmlns:a16="http://schemas.microsoft.com/office/drawing/2014/main" id="{7FA01486-3811-4DD4-9E9E-A55DFF46EF08}"/>
-              </a:ext>
-            </a:extLst>
-          </p:cNvPr>
-          <p:cNvCxnSpPr>
-            <a:cxnSpLocks/>
-          </p:cNvCxnSpPr>
-          <p:nvPr/>
-        </p:nvCxnSpPr>
-        <p:spPr>
-          <a:xfrm>
-            <a:off x="5623740" y="3541299"/>
-            <a:ext cx="532436" cy="967821"/>
-          </a:xfrm>
-          <a:prstGeom prst="straightConnector1">
-            <a:avLst/>
-          </a:prstGeom>
-          <a:ln>
-            <a:tailEnd type="triangle"/>
-          </a:ln>
-        </p:spPr>
-        <p:style>
-          <a:lnRef idx="1">
-            <a:schemeClr val="accent1"/>
-          </a:lnRef>
-          <a:fillRef idx="0">
-            <a:schemeClr val="accent1"/>
-          </a:fillRef>
-          <a:effectRef idx="0">
-            <a:schemeClr val="accent1"/>
-          </a:effectRef>
-          <a:fontRef idx="minor">
-            <a:schemeClr val="tx1"/>
-          </a:fontRef>
-        </p:style>
-      </p:cxnSp>
-      <p:sp>
-        <p:nvSpPr>
-          <p:cNvPr id="11" name="Oval 10">
-            <a:extLst>
-              <a:ext uri="{FF2B5EF4-FFF2-40B4-BE49-F238E27FC236}">
-                <a16:creationId xmlns:a16="http://schemas.microsoft.com/office/drawing/2014/main" id="{60ED40C0-0AB5-423A-9BBE-E48B950F14DE}"/>
-              </a:ext>
-            </a:extLst>
-          </p:cNvPr>
-          <p:cNvSpPr/>
-          <p:nvPr/>
-        </p:nvSpPr>
-        <p:spPr>
-          <a:xfrm>
-            <a:off x="2123728" y="3573016"/>
-            <a:ext cx="1152128" cy="576064"/>
-          </a:xfrm>
-          <a:prstGeom prst="ellipse">
-            <a:avLst/>
-          </a:prstGeom>
-        </p:spPr>
-        <p:style>
-          <a:lnRef idx="2">
-            <a:schemeClr val="accent1">
-              <a:shade val="50000"/>
-            </a:schemeClr>
-          </a:lnRef>
-          <a:fillRef idx="1">
-            <a:schemeClr val="accent1"/>
-          </a:fillRef>
-          <a:effectRef idx="0">
-            <a:schemeClr val="accent1"/>
-          </a:effectRef>
-          <a:fontRef idx="minor">
-            <a:schemeClr val="lt1"/>
-          </a:fontRef>
-        </p:style>
-        <p:txBody>
-          <a:bodyPr rtlCol="0" anchor="ctr"/>
-          <a:lstStyle/>
-          <a:p>
-            <a:pPr algn="ctr"/>
-            <a:r>
-              <a:rPr lang="en-IN" dirty="0"/>
-              <a:t>Sunny</a:t>
-            </a:r>
-          </a:p>
-        </p:txBody>
-      </p:sp>
-      <p:sp>
-        <p:nvSpPr>
-          <p:cNvPr id="12" name="Oval 11">
-            <a:extLst>
-              <a:ext uri="{FF2B5EF4-FFF2-40B4-BE49-F238E27FC236}">
-                <a16:creationId xmlns:a16="http://schemas.microsoft.com/office/drawing/2014/main" id="{B3FAB362-991F-4F7F-B6F8-F134C54D3C71}"/>
-              </a:ext>
-            </a:extLst>
-          </p:cNvPr>
-          <p:cNvSpPr/>
-          <p:nvPr/>
-        </p:nvSpPr>
-        <p:spPr>
-          <a:xfrm>
-            <a:off x="5921452" y="3595165"/>
-            <a:ext cx="1152128" cy="576064"/>
-          </a:xfrm>
-          <a:prstGeom prst="ellipse">
-            <a:avLst/>
-          </a:prstGeom>
-        </p:spPr>
-        <p:style>
-          <a:lnRef idx="2">
-            <a:schemeClr val="accent1">
-              <a:shade val="50000"/>
-            </a:schemeClr>
-          </a:lnRef>
-          <a:fillRef idx="1">
-            <a:schemeClr val="accent1"/>
-          </a:fillRef>
-          <a:effectRef idx="0">
-            <a:schemeClr val="accent1"/>
-          </a:effectRef>
-          <a:fontRef idx="minor">
-            <a:schemeClr val="lt1"/>
-          </a:fontRef>
-        </p:style>
-        <p:txBody>
-          <a:bodyPr rtlCol="0" anchor="ctr"/>
-          <a:lstStyle/>
-          <a:p>
-            <a:pPr algn="ctr"/>
-            <a:r>
-              <a:rPr lang="en-IN" dirty="0"/>
-              <a:t>Rainy</a:t>
+              <a:t>	wear a raincoat</a:t>
             </a:r>
           </a:p>
         </p:txBody>
@@ -7029,7 +6814,7 @@
     </p:spTree>
     <p:extLst>
       <p:ext uri="{BB962C8B-B14F-4D97-AF65-F5344CB8AC3E}">
-        <p14:creationId xmlns:p14="http://schemas.microsoft.com/office/powerpoint/2010/main" val="4117352936"/>
+        <p14:creationId xmlns:p14="http://schemas.microsoft.com/office/powerpoint/2010/main" val="4274082012"/>
       </p:ext>
     </p:extLst>
   </p:cSld>
@@ -7061,7 +6846,7 @@
           <p:cNvPr id="2" name="Title 1">
             <a:extLst>
               <a:ext uri="{FF2B5EF4-FFF2-40B4-BE49-F238E27FC236}">
-                <a16:creationId xmlns:a16="http://schemas.microsoft.com/office/drawing/2014/main" id="{B26FB5EE-1A9E-4468-83B3-0DEA8331F3AE}"/>
+                <a16:creationId xmlns:a16="http://schemas.microsoft.com/office/drawing/2014/main" id="{879F65C9-F045-4779-BC00-27C59E7EFD3F}"/>
               </a:ext>
             </a:extLst>
           </p:cNvPr>
@@ -7078,18 +6863,18 @@
           <a:lstStyle/>
           <a:p>
             <a:r>
-              <a:rPr lang="en-IN" dirty="0"/>
-              <a:t>Syntax</a:t>
-            </a:r>
-          </a:p>
-        </p:txBody>
-      </p:sp>
-      <p:sp>
-        <p:nvSpPr>
-          <p:cNvPr id="3" name="TextBox 2">
+              <a:rPr lang="en-IN" b="1" dirty="0"/>
+              <a:t>Example</a:t>
+            </a:r>
+          </a:p>
+        </p:txBody>
+      </p:sp>
+      <p:sp>
+        <p:nvSpPr>
+          <p:cNvPr id="4" name="TextBox 3">
             <a:extLst>
               <a:ext uri="{FF2B5EF4-FFF2-40B4-BE49-F238E27FC236}">
-                <a16:creationId xmlns:a16="http://schemas.microsoft.com/office/drawing/2014/main" id="{7CF0CEA9-C8F8-4ED9-870F-5727CF8E7BD9}"/>
+                <a16:creationId xmlns:a16="http://schemas.microsoft.com/office/drawing/2014/main" id="{7DCC28DA-487E-41D6-9C93-1A4F53CE8321}"/>
               </a:ext>
             </a:extLst>
           </p:cNvPr>
@@ -7098,8 +6883,8 @@
         </p:nvSpPr>
         <p:spPr>
           <a:xfrm>
-            <a:off x="1403648" y="2996952"/>
-            <a:ext cx="7056784" cy="830997"/>
+            <a:off x="899592" y="2792137"/>
+            <a:ext cx="4576396" cy="3693319"/>
           </a:xfrm>
           <a:prstGeom prst="rect">
             <a:avLst/>
@@ -7107,30 +6892,111 @@
           <a:noFill/>
         </p:spPr>
         <p:txBody>
-          <a:bodyPr wrap="square" rtlCol="0">
+          <a:bodyPr wrap="square">
             <a:spAutoFit/>
           </a:bodyPr>
           <a:lstStyle/>
           <a:p>
             <a:r>
-              <a:rPr lang="en-IN" sz="2400" b="1" dirty="0"/>
-              <a:t>If( condition) :</a:t>
-            </a:r>
-          </a:p>
-          <a:p>
-            <a:r>
-              <a:rPr lang="en-IN" sz="2400" b="1" dirty="0"/>
-              <a:t>	Task</a:t>
-            </a:r>
-          </a:p>
-        </p:txBody>
-      </p:sp>
-      <p:sp>
-        <p:nvSpPr>
-          <p:cNvPr id="4" name="TextBox 3">
+              <a:rPr lang="en-IN" dirty="0"/>
+              <a:t>age=int(float(input("Enter your age")))</a:t>
+            </a:r>
+          </a:p>
+          <a:p>
+            <a:r>
+              <a:rPr lang="en-IN" dirty="0"/>
+              <a:t>if age&gt;18:</a:t>
+            </a:r>
+          </a:p>
+          <a:p>
+            <a:r>
+              <a:rPr lang="en-IN" dirty="0"/>
+              <a:t>    print("Above 18")</a:t>
+            </a:r>
+          </a:p>
+          <a:p>
+            <a:r>
+              <a:rPr lang="en-IN" dirty="0"/>
+              <a:t>if age&lt;18:</a:t>
+            </a:r>
+          </a:p>
+          <a:p>
+            <a:r>
+              <a:rPr lang="en-IN" dirty="0"/>
+              <a:t>    print("Below 18")</a:t>
+            </a:r>
+          </a:p>
+          <a:p>
+            <a:endParaRPr lang="en-IN" dirty="0"/>
+          </a:p>
+          <a:p>
+            <a:r>
+              <a:rPr lang="en-IN" dirty="0"/>
+              <a:t>name=input("insert your name")</a:t>
+            </a:r>
+          </a:p>
+          <a:p>
+            <a:r>
+              <a:rPr lang="en-IN" dirty="0"/>
+              <a:t>if name=="</a:t>
+            </a:r>
+            <a:r>
+              <a:rPr lang="en-IN" dirty="0" err="1"/>
+              <a:t>rahul</a:t>
+            </a:r>
+            <a:r>
+              <a:rPr lang="en-IN" dirty="0"/>
+              <a:t>":</a:t>
+            </a:r>
+          </a:p>
+          <a:p>
+            <a:r>
+              <a:rPr lang="en-IN" dirty="0"/>
+              <a:t>    print("Hello Rahul")</a:t>
+            </a:r>
+          </a:p>
+          <a:p>
+            <a:r>
+              <a:rPr lang="en-IN" dirty="0"/>
+              <a:t>if name=="</a:t>
+            </a:r>
+            <a:r>
+              <a:rPr lang="en-IN" dirty="0" err="1"/>
+              <a:t>arav</a:t>
+            </a:r>
+            <a:r>
+              <a:rPr lang="en-IN" dirty="0"/>
+              <a:t>":</a:t>
+            </a:r>
+          </a:p>
+          <a:p>
+            <a:r>
+              <a:rPr lang="en-IN" dirty="0"/>
+              <a:t>    print("Hello </a:t>
+            </a:r>
+            <a:r>
+              <a:rPr lang="en-IN" dirty="0" err="1"/>
+              <a:t>Arav</a:t>
+            </a:r>
+            <a:r>
+              <a:rPr lang="en-IN" dirty="0"/>
+              <a:t>")</a:t>
+            </a:r>
+          </a:p>
+          <a:p>
+            <a:endParaRPr lang="en-IN" dirty="0"/>
+          </a:p>
+          <a:p>
+            <a:endParaRPr lang="en-IN" dirty="0"/>
+          </a:p>
+        </p:txBody>
+      </p:sp>
+      <p:sp>
+        <p:nvSpPr>
+          <p:cNvPr id="6" name="TextBox 5">
             <a:extLst>
               <a:ext uri="{FF2B5EF4-FFF2-40B4-BE49-F238E27FC236}">
-                <a16:creationId xmlns:a16="http://schemas.microsoft.com/office/drawing/2014/main" id="{638A8C46-6EF1-48BC-BF2D-3FA710AA4647}"/>
+                <a16:creationId xmlns:a16="http://schemas.microsoft.com/office/drawing/2014/main" id="{971348F0-49C9-4DBA-9BE4-B36D3B564EF0}"/>
               </a:ext>
             </a:extLst>
           </p:cNvPr>
@@ -7139,8 +7005,8 @@
         </p:nvSpPr>
         <p:spPr>
           <a:xfrm>
-            <a:off x="899592" y="4725144"/>
-            <a:ext cx="1944216" cy="646331"/>
+            <a:off x="4539004" y="2996952"/>
+            <a:ext cx="4576396" cy="2031325"/>
           </a:xfrm>
           <a:prstGeom prst="rect">
             <a:avLst/>
@@ -7148,61 +7014,78 @@
           <a:noFill/>
         </p:spPr>
         <p:txBody>
-          <a:bodyPr wrap="square" rtlCol="0">
+          <a:bodyPr wrap="square">
             <a:spAutoFit/>
           </a:bodyPr>
           <a:lstStyle/>
           <a:p>
             <a:r>
+              <a:rPr lang="en-IN" dirty="0" err="1"/>
+              <a:t>prc</a:t>
+            </a:r>
+            <a:r>
               <a:rPr lang="en-IN" dirty="0"/>
-              <a:t>If weather=sunny:</a:t>
+              <a:t>=float(input("Enter your percentage"))</a:t>
             </a:r>
           </a:p>
           <a:p>
             <a:r>
               <a:rPr lang="en-IN" dirty="0"/>
-              <a:t>	wear a t-shirt</a:t>
-            </a:r>
-          </a:p>
-        </p:txBody>
-      </p:sp>
-      <p:sp>
-        <p:nvSpPr>
-          <p:cNvPr id="5" name="TextBox 4">
-            <a:extLst>
-              <a:ext uri="{FF2B5EF4-FFF2-40B4-BE49-F238E27FC236}">
-                <a16:creationId xmlns:a16="http://schemas.microsoft.com/office/drawing/2014/main" id="{C4BF3AF9-8D25-4B57-B517-B1ABD8A3DB55}"/>
-              </a:ext>
-            </a:extLst>
-          </p:cNvPr>
-          <p:cNvSpPr txBox="1"/>
-          <p:nvPr/>
-        </p:nvSpPr>
-        <p:spPr>
-          <a:xfrm>
-            <a:off x="3959932" y="4725144"/>
-            <a:ext cx="2268252" cy="646331"/>
-          </a:xfrm>
-          <a:prstGeom prst="rect">
-            <a:avLst/>
-          </a:prstGeom>
-          <a:noFill/>
-        </p:spPr>
-        <p:txBody>
-          <a:bodyPr wrap="square" rtlCol="0">
-            <a:spAutoFit/>
-          </a:bodyPr>
-          <a:lstStyle/>
-          <a:p>
+              <a:t>if </a:t>
+            </a:r>
+            <a:r>
+              <a:rPr lang="en-IN" dirty="0" err="1"/>
+              <a:t>prc</a:t>
+            </a:r>
             <a:r>
               <a:rPr lang="en-IN" dirty="0"/>
-              <a:t>If weather=rainy:</a:t>
+              <a:t>&gt;90:</a:t>
             </a:r>
           </a:p>
           <a:p>
             <a:r>
               <a:rPr lang="en-IN" dirty="0"/>
-              <a:t>	wear a raincoat</a:t>
+              <a:t>    print("A+")</a:t>
+            </a:r>
+          </a:p>
+          <a:p>
+            <a:r>
+              <a:rPr lang="en-IN" dirty="0"/>
+              <a:t>if </a:t>
+            </a:r>
+            <a:r>
+              <a:rPr lang="en-IN" dirty="0" err="1"/>
+              <a:t>prc</a:t>
+            </a:r>
+            <a:r>
+              <a:rPr lang="en-IN" dirty="0"/>
+              <a:t>&gt;=35:</a:t>
+            </a:r>
+          </a:p>
+          <a:p>
+            <a:r>
+              <a:rPr lang="en-IN" dirty="0"/>
+              <a:t>    print("pass")</a:t>
+            </a:r>
+          </a:p>
+          <a:p>
+            <a:r>
+              <a:rPr lang="en-IN" dirty="0"/>
+              <a:t>if </a:t>
+            </a:r>
+            <a:r>
+              <a:rPr lang="en-IN" dirty="0" err="1"/>
+              <a:t>prc</a:t>
+            </a:r>
+            <a:r>
+              <a:rPr lang="en-IN" dirty="0"/>
+              <a:t>&lt;35:</a:t>
+            </a:r>
+          </a:p>
+          <a:p>
+            <a:r>
+              <a:rPr lang="en-IN" dirty="0"/>
+              <a:t>    print("fail")</a:t>
             </a:r>
           </a:p>
         </p:txBody>
@@ -7210,7 +7093,7 @@
     </p:spTree>
     <p:extLst>
       <p:ext uri="{BB962C8B-B14F-4D97-AF65-F5344CB8AC3E}">
-        <p14:creationId xmlns:p14="http://schemas.microsoft.com/office/powerpoint/2010/main" val="4274082012"/>
+        <p14:creationId xmlns:p14="http://schemas.microsoft.com/office/powerpoint/2010/main" val="61773971"/>
       </p:ext>
     </p:extLst>
   </p:cSld>
@@ -7242,7 +7125,7 @@
           <p:cNvPr id="2" name="Title 1">
             <a:extLst>
               <a:ext uri="{FF2B5EF4-FFF2-40B4-BE49-F238E27FC236}">
-                <a16:creationId xmlns:a16="http://schemas.microsoft.com/office/drawing/2014/main" id="{879F65C9-F045-4779-BC00-27C59E7EFD3F}"/>
+                <a16:creationId xmlns:a16="http://schemas.microsoft.com/office/drawing/2014/main" id="{B26FB5EE-1A9E-4468-83B3-0DEA8331F3AE}"/>
               </a:ext>
             </a:extLst>
           </p:cNvPr>
@@ -7259,18 +7142,18 @@
           <a:lstStyle/>
           <a:p>
             <a:r>
-              <a:rPr lang="en-IN" b="1" dirty="0"/>
-              <a:t>Example</a:t>
-            </a:r>
-          </a:p>
-        </p:txBody>
-      </p:sp>
-      <p:sp>
-        <p:nvSpPr>
-          <p:cNvPr id="4" name="TextBox 3">
+              <a:rPr lang="en-IN" dirty="0"/>
+              <a:t>Syntax</a:t>
+            </a:r>
+          </a:p>
+        </p:txBody>
+      </p:sp>
+      <p:sp>
+        <p:nvSpPr>
+          <p:cNvPr id="3" name="TextBox 2">
             <a:extLst>
               <a:ext uri="{FF2B5EF4-FFF2-40B4-BE49-F238E27FC236}">
-                <a16:creationId xmlns:a16="http://schemas.microsoft.com/office/drawing/2014/main" id="{7DCC28DA-487E-41D6-9C93-1A4F53CE8321}"/>
+                <a16:creationId xmlns:a16="http://schemas.microsoft.com/office/drawing/2014/main" id="{7CF0CEA9-C8F8-4ED9-870F-5727CF8E7BD9}"/>
               </a:ext>
             </a:extLst>
           </p:cNvPr>
@@ -7279,8 +7162,8 @@
         </p:nvSpPr>
         <p:spPr>
           <a:xfrm>
-            <a:off x="899592" y="2792137"/>
-            <a:ext cx="4576396" cy="3693319"/>
+            <a:off x="1403648" y="2996952"/>
+            <a:ext cx="7056784" cy="1569660"/>
           </a:xfrm>
           <a:prstGeom prst="rect">
             <a:avLst/>
@@ -7288,200 +7171,32 @@
           <a:noFill/>
         </p:spPr>
         <p:txBody>
-          <a:bodyPr wrap="square">
+          <a:bodyPr wrap="square" rtlCol="0">
             <a:spAutoFit/>
           </a:bodyPr>
           <a:lstStyle/>
           <a:p>
             <a:r>
-              <a:rPr lang="en-IN" dirty="0"/>
-              <a:t>age=int(float(input("Enter your age")))</a:t>
-            </a:r>
-          </a:p>
-          <a:p>
-            <a:r>
-              <a:rPr lang="en-IN" dirty="0"/>
-              <a:t>if age&gt;18:</a:t>
-            </a:r>
-          </a:p>
-          <a:p>
-            <a:r>
-              <a:rPr lang="en-IN" dirty="0"/>
-              <a:t>    print("Above 18")</a:t>
-            </a:r>
-          </a:p>
-          <a:p>
-            <a:r>
-              <a:rPr lang="en-IN" dirty="0"/>
-              <a:t>if age&lt;18:</a:t>
-            </a:r>
-          </a:p>
-          <a:p>
-            <a:r>
-              <a:rPr lang="en-IN" dirty="0"/>
-              <a:t>    print("Below 18")</a:t>
-            </a:r>
-          </a:p>
-          <a:p>
-            <a:endParaRPr lang="en-IN" dirty="0"/>
-          </a:p>
-          <a:p>
-            <a:r>
-              <a:rPr lang="en-IN" dirty="0"/>
-              <a:t>name=input("insert your name")</a:t>
-            </a:r>
-          </a:p>
-          <a:p>
-            <a:r>
-              <a:rPr lang="en-IN" dirty="0"/>
-              <a:t>if name=="</a:t>
-            </a:r>
-            <a:r>
-              <a:rPr lang="en-IN" dirty="0" err="1"/>
-              <a:t>rahul</a:t>
-            </a:r>
-            <a:r>
-              <a:rPr lang="en-IN" dirty="0"/>
-              <a:t>":</a:t>
-            </a:r>
-          </a:p>
-          <a:p>
-            <a:r>
-              <a:rPr lang="en-IN" dirty="0"/>
-              <a:t>    print("Hello Rahul")</a:t>
-            </a:r>
-          </a:p>
-          <a:p>
-            <a:r>
-              <a:rPr lang="en-IN" dirty="0"/>
-              <a:t>if name=="</a:t>
-            </a:r>
-            <a:r>
-              <a:rPr lang="en-IN" dirty="0" err="1"/>
-              <a:t>arav</a:t>
-            </a:r>
-            <a:r>
-              <a:rPr lang="en-IN" dirty="0"/>
-              <a:t>":</a:t>
-            </a:r>
-          </a:p>
-          <a:p>
-            <a:r>
-              <a:rPr lang="en-IN" dirty="0"/>
-              <a:t>    print("Hello </a:t>
-            </a:r>
-            <a:r>
-              <a:rPr lang="en-IN" dirty="0" err="1"/>
-              <a:t>Arav</a:t>
-            </a:r>
-            <a:r>
-              <a:rPr lang="en-IN" dirty="0"/>
-              <a:t>")</a:t>
-            </a:r>
-          </a:p>
-          <a:p>
-            <a:endParaRPr lang="en-IN" dirty="0"/>
-          </a:p>
-          <a:p>
-            <a:endParaRPr lang="en-IN" dirty="0"/>
-          </a:p>
-        </p:txBody>
-      </p:sp>
-      <p:sp>
-        <p:nvSpPr>
-          <p:cNvPr id="6" name="TextBox 5">
-            <a:extLst>
-              <a:ext uri="{FF2B5EF4-FFF2-40B4-BE49-F238E27FC236}">
-                <a16:creationId xmlns:a16="http://schemas.microsoft.com/office/drawing/2014/main" id="{971348F0-49C9-4DBA-9BE4-B36D3B564EF0}"/>
-              </a:ext>
-            </a:extLst>
-          </p:cNvPr>
-          <p:cNvSpPr txBox="1"/>
-          <p:nvPr/>
-        </p:nvSpPr>
-        <p:spPr>
-          <a:xfrm>
-            <a:off x="4539004" y="2996952"/>
-            <a:ext cx="4576396" cy="2031325"/>
-          </a:xfrm>
-          <a:prstGeom prst="rect">
-            <a:avLst/>
-          </a:prstGeom>
-          <a:noFill/>
-        </p:spPr>
-        <p:txBody>
-          <a:bodyPr wrap="square">
-            <a:spAutoFit/>
-          </a:bodyPr>
-          <a:lstStyle/>
-          <a:p>
-            <a:r>
-              <a:rPr lang="en-IN" dirty="0" err="1"/>
-              <a:t>prc</a:t>
-            </a:r>
-            <a:r>
-              <a:rPr lang="en-IN" dirty="0"/>
-              <a:t>=float(input("Enter your percentage"))</a:t>
-            </a:r>
-          </a:p>
-          <a:p>
-            <a:r>
-              <a:rPr lang="en-IN" dirty="0"/>
-              <a:t>if </a:t>
-            </a:r>
-            <a:r>
-              <a:rPr lang="en-IN" dirty="0" err="1"/>
-              <a:t>prc</a:t>
-            </a:r>
-            <a:r>
-              <a:rPr lang="en-IN" dirty="0"/>
-              <a:t>&gt;90:</a:t>
-            </a:r>
-          </a:p>
-          <a:p>
-            <a:r>
-              <a:rPr lang="en-IN" dirty="0"/>
-              <a:t>    print("A+")</a:t>
-            </a:r>
-          </a:p>
-          <a:p>
-            <a:r>
-              <a:rPr lang="en-IN" dirty="0"/>
-              <a:t>if </a:t>
-            </a:r>
-            <a:r>
-              <a:rPr lang="en-IN" dirty="0" err="1"/>
-              <a:t>prc</a:t>
-            </a:r>
-            <a:r>
-              <a:rPr lang="en-IN" dirty="0"/>
-              <a:t>&gt;=35:</a:t>
-            </a:r>
-          </a:p>
-          <a:p>
-            <a:r>
-              <a:rPr lang="en-IN" dirty="0"/>
-              <a:t>    print("pass")</a:t>
-            </a:r>
-          </a:p>
-          <a:p>
-            <a:r>
-              <a:rPr lang="en-IN" dirty="0"/>
-              <a:t>if </a:t>
-            </a:r>
-            <a:r>
-              <a:rPr lang="en-IN" dirty="0" err="1"/>
-              <a:t>prc</a:t>
-            </a:r>
-            <a:r>
-              <a:rPr lang="en-IN" dirty="0"/>
-              <a:t>&lt;35:</a:t>
-            </a:r>
-          </a:p>
-          <a:p>
-            <a:r>
-              <a:rPr lang="en-IN" dirty="0"/>
-              <a:t>    print("fail")</a:t>
+              <a:rPr lang="en-IN" sz="2400" b="1" dirty="0"/>
+              <a:t>If( condition) :</a:t>
+            </a:r>
+          </a:p>
+          <a:p>
+            <a:r>
+              <a:rPr lang="en-IN" sz="2400" b="1" dirty="0"/>
+              <a:t>	Task</a:t>
+            </a:r>
+          </a:p>
+          <a:p>
+            <a:r>
+              <a:rPr lang="en-IN" sz="2400" b="1" dirty="0"/>
+              <a:t>Else :</a:t>
+            </a:r>
+          </a:p>
+          <a:p>
+            <a:r>
+              <a:rPr lang="en-IN" sz="2400" b="1" dirty="0"/>
+              <a:t>	remaining task</a:t>
             </a:r>
           </a:p>
         </p:txBody>
@@ -7489,7 +7204,7 @@
     </p:spTree>
     <p:extLst>
       <p:ext uri="{BB962C8B-B14F-4D97-AF65-F5344CB8AC3E}">
-        <p14:creationId xmlns:p14="http://schemas.microsoft.com/office/powerpoint/2010/main" val="61773971"/>
+        <p14:creationId xmlns:p14="http://schemas.microsoft.com/office/powerpoint/2010/main" val="709716905"/>
       </p:ext>
     </p:extLst>
   </p:cSld>
@@ -7521,7 +7236,7 @@
           <p:cNvPr id="2" name="Title 1">
             <a:extLst>
               <a:ext uri="{FF2B5EF4-FFF2-40B4-BE49-F238E27FC236}">
-                <a16:creationId xmlns:a16="http://schemas.microsoft.com/office/drawing/2014/main" id="{B26FB5EE-1A9E-4468-83B3-0DEA8331F3AE}"/>
+                <a16:creationId xmlns:a16="http://schemas.microsoft.com/office/drawing/2014/main" id="{F4C5CAEF-B053-439B-B68C-51F82435CA3B}"/>
               </a:ext>
             </a:extLst>
           </p:cNvPr>
@@ -7539,17 +7254,17 @@
           <a:p>
             <a:r>
               <a:rPr lang="en-IN" dirty="0"/>
-              <a:t>Syntax</a:t>
-            </a:r>
-          </a:p>
-        </p:txBody>
-      </p:sp>
-      <p:sp>
-        <p:nvSpPr>
-          <p:cNvPr id="3" name="TextBox 2">
+              <a:t>Example</a:t>
+            </a:r>
+          </a:p>
+        </p:txBody>
+      </p:sp>
+      <p:sp>
+        <p:nvSpPr>
+          <p:cNvPr id="6" name="TextBox 5">
             <a:extLst>
               <a:ext uri="{FF2B5EF4-FFF2-40B4-BE49-F238E27FC236}">
-                <a16:creationId xmlns:a16="http://schemas.microsoft.com/office/drawing/2014/main" id="{7CF0CEA9-C8F8-4ED9-870F-5727CF8E7BD9}"/>
+                <a16:creationId xmlns:a16="http://schemas.microsoft.com/office/drawing/2014/main" id="{BCF5513F-98E7-48F1-8250-429B54049CB1}"/>
               </a:ext>
             </a:extLst>
           </p:cNvPr>
@@ -7558,8 +7273,8 @@
         </p:nvSpPr>
         <p:spPr>
           <a:xfrm>
-            <a:off x="1403648" y="2996952"/>
-            <a:ext cx="7056784" cy="1569660"/>
+            <a:off x="2288198" y="2690336"/>
+            <a:ext cx="4576396" cy="2031325"/>
           </a:xfrm>
           <a:prstGeom prst="rect">
             <a:avLst/>
@@ -7567,32 +7282,50 @@
           <a:noFill/>
         </p:spPr>
         <p:txBody>
-          <a:bodyPr wrap="square" rtlCol="0">
+          <a:bodyPr wrap="square">
             <a:spAutoFit/>
           </a:bodyPr>
           <a:lstStyle/>
           <a:p>
             <a:r>
-              <a:rPr lang="en-IN" sz="2400" b="1" dirty="0"/>
-              <a:t>If( condition) :</a:t>
-            </a:r>
-          </a:p>
-          <a:p>
-            <a:r>
-              <a:rPr lang="en-IN" sz="2400" b="1" dirty="0"/>
-              <a:t>	Task</a:t>
-            </a:r>
-          </a:p>
-          <a:p>
-            <a:r>
-              <a:rPr lang="en-IN" sz="2400" b="1" dirty="0"/>
-              <a:t>Else :</a:t>
-            </a:r>
-          </a:p>
-          <a:p>
-            <a:r>
-              <a:rPr lang="en-IN" sz="2400" b="1" dirty="0"/>
-              <a:t>	remaining task</a:t>
+              <a:rPr lang="en-IN" dirty="0"/>
+              <a:t>age=int(float(input("Age=")))</a:t>
+            </a:r>
+          </a:p>
+          <a:p>
+            <a:r>
+              <a:rPr lang="en-IN" dirty="0"/>
+              <a:t>if age&gt;15:</a:t>
+            </a:r>
+          </a:p>
+          <a:p>
+            <a:r>
+              <a:rPr lang="en-IN" dirty="0"/>
+              <a:t>    print("Above 15")</a:t>
+            </a:r>
+          </a:p>
+          <a:p>
+            <a:r>
+              <a:rPr lang="en-IN" dirty="0"/>
+              <a:t>    if age==18:	</a:t>
+            </a:r>
+          </a:p>
+          <a:p>
+            <a:r>
+              <a:rPr lang="en-IN" dirty="0"/>
+              <a:t>	print(“18”)</a:t>
+            </a:r>
+          </a:p>
+          <a:p>
+            <a:r>
+              <a:rPr lang="en-IN" dirty="0"/>
+              <a:t>else:</a:t>
+            </a:r>
+          </a:p>
+          <a:p>
+            <a:r>
+              <a:rPr lang="en-IN" dirty="0"/>
+              <a:t>    print("Below 18")</a:t>
             </a:r>
           </a:p>
         </p:txBody>
@@ -7600,7 +7333,7 @@
     </p:spTree>
     <p:extLst>
       <p:ext uri="{BB962C8B-B14F-4D97-AF65-F5344CB8AC3E}">
-        <p14:creationId xmlns:p14="http://schemas.microsoft.com/office/powerpoint/2010/main" val="709716905"/>
+        <p14:creationId xmlns:p14="http://schemas.microsoft.com/office/powerpoint/2010/main" val="1080100490"/>
       </p:ext>
     </p:extLst>
   </p:cSld>
@@ -7632,7 +7365,7 @@
           <p:cNvPr id="2" name="Title 1">
             <a:extLst>
               <a:ext uri="{FF2B5EF4-FFF2-40B4-BE49-F238E27FC236}">
-                <a16:creationId xmlns:a16="http://schemas.microsoft.com/office/drawing/2014/main" id="{F4C5CAEF-B053-439B-B68C-51F82435CA3B}"/>
+                <a16:creationId xmlns:a16="http://schemas.microsoft.com/office/drawing/2014/main" id="{970ED656-37E3-4A09-A382-F4DE35C1F06D}"/>
               </a:ext>
             </a:extLst>
           </p:cNvPr>
@@ -7650,17 +7383,17 @@
           <a:p>
             <a:r>
               <a:rPr lang="en-IN" dirty="0"/>
-              <a:t>Example</a:t>
-            </a:r>
-          </a:p>
-        </p:txBody>
-      </p:sp>
-      <p:sp>
-        <p:nvSpPr>
-          <p:cNvPr id="6" name="TextBox 5">
+              <a:t>Task</a:t>
+            </a:r>
+          </a:p>
+        </p:txBody>
+      </p:sp>
+      <p:sp>
+        <p:nvSpPr>
+          <p:cNvPr id="4" name="TextBox 3">
             <a:extLst>
               <a:ext uri="{FF2B5EF4-FFF2-40B4-BE49-F238E27FC236}">
-                <a16:creationId xmlns:a16="http://schemas.microsoft.com/office/drawing/2014/main" id="{BCF5513F-98E7-48F1-8250-429B54049CB1}"/>
+                <a16:creationId xmlns:a16="http://schemas.microsoft.com/office/drawing/2014/main" id="{3F33EC26-6369-465D-BB31-CEF20078864B}"/>
               </a:ext>
             </a:extLst>
           </p:cNvPr>
@@ -7669,8 +7402,8 @@
         </p:nvSpPr>
         <p:spPr>
           <a:xfrm>
-            <a:off x="2288198" y="2690336"/>
-            <a:ext cx="4576396" cy="2031325"/>
+            <a:off x="1259632" y="2996952"/>
+            <a:ext cx="6192688" cy="2308324"/>
           </a:xfrm>
           <a:prstGeom prst="rect">
             <a:avLst/>
@@ -7678,50 +7411,51 @@
           <a:noFill/>
         </p:spPr>
         <p:txBody>
-          <a:bodyPr wrap="square">
+          <a:bodyPr wrap="square" rtlCol="0">
             <a:spAutoFit/>
           </a:bodyPr>
           <a:lstStyle/>
           <a:p>
             <a:r>
               <a:rPr lang="en-IN" dirty="0"/>
-              <a:t>age=int(float(input("Age=")))</a:t>
-            </a:r>
-          </a:p>
-          <a:p>
+              <a:t>Insert all the credentials of a user and compare for all the values inserted </a:t>
+            </a:r>
+            <a:r>
+              <a:rPr lang="en-IN" dirty="0" err="1"/>
+              <a:t>i.e</a:t>
+            </a:r>
             <a:r>
               <a:rPr lang="en-IN" dirty="0"/>
-              <a:t>if age&gt;15:</a:t>
-            </a:r>
-          </a:p>
-          <a:p>
-            <a:r>
+              <a:t> name, age, percentage </a:t>
+            </a:r>
+            <a:br>
               <a:rPr lang="en-IN" dirty="0"/>
-              <a:t>    print("Above 15")</a:t>
-            </a:r>
-          </a:p>
-          <a:p>
+            </a:br>
             <a:r>
               <a:rPr lang="en-IN" dirty="0"/>
-              <a:t>    if age==18:	</a:t>
+              <a:t>if all the conditions are true then say welcome</a:t>
             </a:r>
           </a:p>
           <a:p>
             <a:r>
               <a:rPr lang="en-IN" dirty="0"/>
-              <a:t>	print(“18”)</a:t>
-            </a:r>
-          </a:p>
-          <a:p>
-            <a:r>
+              <a:t>Otherwise say sorry you are not the user.</a:t>
+            </a:r>
+            <a:br>
               <a:rPr lang="en-IN" dirty="0"/>
-              <a:t>else:</a:t>
-            </a:r>
-          </a:p>
-          <a:p>
-            <a:r>
+            </a:br>
+            <a:br>
               <a:rPr lang="en-IN" dirty="0"/>
-              <a:t>    print("Below 18")</a:t>
+            </a:br>
+            <a:r>
+              <a:rPr lang="en-IN" dirty="0"/>
+              <a:t>If the conditions are true:</a:t>
+            </a:r>
+          </a:p>
+          <a:p>
+            <a:r>
+              <a:rPr lang="en-IN" dirty="0"/>
+              <a:t>	take the 4 ages(either as a float or int) and then calculate the 	sum.</a:t>
             </a:r>
           </a:p>
         </p:txBody>
@@ -7729,7 +7463,7 @@
     </p:spTree>
     <p:extLst>
       <p:ext uri="{BB962C8B-B14F-4D97-AF65-F5344CB8AC3E}">
-        <p14:creationId xmlns:p14="http://schemas.microsoft.com/office/powerpoint/2010/main" val="1080100490"/>
+        <p14:creationId xmlns:p14="http://schemas.microsoft.com/office/powerpoint/2010/main" val="1585962154"/>
       </p:ext>
     </p:extLst>
   </p:cSld>
